--- a/DSP-HW1.pptx
+++ b/DSP-HW1.pptx
@@ -7,13 +7,14 @@
   <p:sldIdLst>
     <p:sldId id="256" r:id="rId2"/>
     <p:sldId id="257" r:id="rId3"/>
-    <p:sldId id="263" r:id="rId4"/>
-    <p:sldId id="258" r:id="rId5"/>
-    <p:sldId id="259" r:id="rId6"/>
-    <p:sldId id="260" r:id="rId7"/>
-    <p:sldId id="261" r:id="rId8"/>
-    <p:sldId id="262" r:id="rId9"/>
-    <p:sldId id="264" r:id="rId10"/>
+    <p:sldId id="265" r:id="rId4"/>
+    <p:sldId id="263" r:id="rId5"/>
+    <p:sldId id="258" r:id="rId6"/>
+    <p:sldId id="259" r:id="rId7"/>
+    <p:sldId id="260" r:id="rId8"/>
+    <p:sldId id="261" r:id="rId9"/>
+    <p:sldId id="262" r:id="rId10"/>
+    <p:sldId id="264" r:id="rId11"/>
   </p:sldIdLst>
   <p:sldSz cx="9144000" cy="6858000" type="screen4x3"/>
   <p:notesSz cx="6858000" cy="9144000"/>
@@ -252,7 +253,8 @@
           <a:p>
             <a:fld id="{C8179EC0-9CDD-4CAF-A099-F074202ADFC2}" type="datetimeFigureOut">
               <a:rPr lang="zh-TW" altLang="en-US" smtClean="0"/>
-              <a:t>2018/10/21</a:t>
+              <a:pPr/>
+              <a:t>2018/10/22</a:t>
             </a:fld>
             <a:endParaRPr lang="zh-TW" altLang="en-US"/>
           </a:p>
@@ -998,6 +1000,7 @@
           <a:p>
             <a:fld id="{719EBC9C-9B6F-48A5-94C6-2B4ECBF09083}" type="slidenum">
               <a:rPr lang="zh-TW" altLang="en-US" smtClean="0"/>
+              <a:pPr/>
               <a:t>‹#›</a:t>
             </a:fld>
             <a:endParaRPr lang="zh-TW" altLang="en-US"/>
@@ -1121,7 +1124,8 @@
           <a:p>
             <a:fld id="{C8179EC0-9CDD-4CAF-A099-F074202ADFC2}" type="datetimeFigureOut">
               <a:rPr lang="zh-TW" altLang="en-US" smtClean="0"/>
-              <a:t>2018/10/21</a:t>
+              <a:pPr/>
+              <a:t>2018/10/22</a:t>
             </a:fld>
             <a:endParaRPr lang="zh-TW" altLang="en-US"/>
           </a:p>
@@ -1163,6 +1167,7 @@
           <a:p>
             <a:fld id="{719EBC9C-9B6F-48A5-94C6-2B4ECBF09083}" type="slidenum">
               <a:rPr lang="zh-TW" altLang="en-US" smtClean="0"/>
+              <a:pPr/>
               <a:t>‹#›</a:t>
             </a:fld>
             <a:endParaRPr lang="zh-TW" altLang="en-US"/>
@@ -1296,7 +1301,8 @@
           <a:p>
             <a:fld id="{C8179EC0-9CDD-4CAF-A099-F074202ADFC2}" type="datetimeFigureOut">
               <a:rPr lang="zh-TW" altLang="en-US" smtClean="0"/>
-              <a:t>2018/10/21</a:t>
+              <a:pPr/>
+              <a:t>2018/10/22</a:t>
             </a:fld>
             <a:endParaRPr lang="zh-TW" altLang="en-US"/>
           </a:p>
@@ -1338,6 +1344,7 @@
           <a:p>
             <a:fld id="{719EBC9C-9B6F-48A5-94C6-2B4ECBF09083}" type="slidenum">
               <a:rPr lang="zh-TW" altLang="en-US" smtClean="0"/>
+              <a:pPr/>
               <a:t>‹#›</a:t>
             </a:fld>
             <a:endParaRPr lang="zh-TW" altLang="en-US"/>
@@ -1466,7 +1473,8 @@
           <a:p>
             <a:fld id="{C8179EC0-9CDD-4CAF-A099-F074202ADFC2}" type="datetimeFigureOut">
               <a:rPr lang="zh-TW" altLang="en-US" smtClean="0"/>
-              <a:t>2018/10/21</a:t>
+              <a:pPr/>
+              <a:t>2018/10/22</a:t>
             </a:fld>
             <a:endParaRPr lang="zh-TW" altLang="en-US"/>
           </a:p>
@@ -1489,6 +1497,7 @@
           <a:p>
             <a:fld id="{719EBC9C-9B6F-48A5-94C6-2B4ECBF09083}" type="slidenum">
               <a:rPr lang="zh-TW" altLang="en-US" smtClean="0"/>
+              <a:pPr/>
               <a:t>‹#›</a:t>
             </a:fld>
             <a:endParaRPr lang="zh-TW" altLang="en-US"/>
@@ -1676,7 +1685,8 @@
           <a:p>
             <a:fld id="{C8179EC0-9CDD-4CAF-A099-F074202ADFC2}" type="datetimeFigureOut">
               <a:rPr lang="zh-TW" altLang="en-US" smtClean="0"/>
-              <a:t>2018/10/21</a:t>
+              <a:pPr/>
+              <a:t>2018/10/22</a:t>
             </a:fld>
             <a:endParaRPr lang="zh-TW" altLang="en-US"/>
           </a:p>
@@ -2419,6 +2429,7 @@
           <a:p>
             <a:fld id="{719EBC9C-9B6F-48A5-94C6-2B4ECBF09083}" type="slidenum">
               <a:rPr lang="zh-TW" altLang="en-US" smtClean="0"/>
+              <a:pPr/>
               <a:t>‹#›</a:t>
             </a:fld>
             <a:endParaRPr lang="zh-TW" altLang="en-US"/>
@@ -2490,7 +2501,8 @@
           <a:p>
             <a:fld id="{C8179EC0-9CDD-4CAF-A099-F074202ADFC2}" type="datetimeFigureOut">
               <a:rPr lang="zh-TW" altLang="en-US" smtClean="0"/>
-              <a:t>2018/10/21</a:t>
+              <a:pPr/>
+              <a:t>2018/10/22</a:t>
             </a:fld>
             <a:endParaRPr lang="zh-TW" altLang="en-US"/>
           </a:p>
@@ -2532,6 +2544,7 @@
           <a:p>
             <a:fld id="{719EBC9C-9B6F-48A5-94C6-2B4ECBF09083}" type="slidenum">
               <a:rPr lang="zh-TW" altLang="en-US" smtClean="0"/>
+              <a:pPr/>
               <a:t>‹#›</a:t>
             </a:fld>
             <a:endParaRPr lang="zh-TW" altLang="en-US"/>
@@ -2726,7 +2739,8 @@
           <a:p>
             <a:fld id="{C8179EC0-9CDD-4CAF-A099-F074202ADFC2}" type="datetimeFigureOut">
               <a:rPr lang="zh-TW" altLang="en-US" smtClean="0"/>
-              <a:t>2018/10/21</a:t>
+              <a:pPr/>
+              <a:t>2018/10/22</a:t>
             </a:fld>
             <a:endParaRPr lang="zh-TW" altLang="en-US"/>
           </a:p>
@@ -2768,6 +2782,7 @@
           <a:p>
             <a:fld id="{719EBC9C-9B6F-48A5-94C6-2B4ECBF09083}" type="slidenum">
               <a:rPr lang="zh-TW" altLang="en-US" smtClean="0"/>
+              <a:pPr/>
               <a:t>‹#›</a:t>
             </a:fld>
             <a:endParaRPr lang="zh-TW" altLang="en-US"/>
@@ -3049,7 +3064,8 @@
           <a:p>
             <a:fld id="{C8179EC0-9CDD-4CAF-A099-F074202ADFC2}" type="datetimeFigureOut">
               <a:rPr lang="zh-TW" altLang="en-US" smtClean="0"/>
-              <a:t>2018/10/21</a:t>
+              <a:pPr/>
+              <a:t>2018/10/22</a:t>
             </a:fld>
             <a:endParaRPr lang="zh-TW" altLang="en-US"/>
           </a:p>
@@ -3072,6 +3088,7 @@
           <a:p>
             <a:fld id="{719EBC9C-9B6F-48A5-94C6-2B4ECBF09083}" type="slidenum">
               <a:rPr lang="zh-TW" altLang="en-US" smtClean="0"/>
+              <a:pPr/>
               <a:t>‹#›</a:t>
             </a:fld>
             <a:endParaRPr lang="zh-TW" altLang="en-US"/>
@@ -3139,7 +3156,8 @@
           <a:p>
             <a:fld id="{C8179EC0-9CDD-4CAF-A099-F074202ADFC2}" type="datetimeFigureOut">
               <a:rPr lang="zh-TW" altLang="en-US" smtClean="0"/>
-              <a:t>2018/10/21</a:t>
+              <a:pPr/>
+              <a:t>2018/10/22</a:t>
             </a:fld>
             <a:endParaRPr lang="zh-TW" altLang="en-US"/>
           </a:p>
@@ -3181,6 +3199,7 @@
           <a:p>
             <a:fld id="{719EBC9C-9B6F-48A5-94C6-2B4ECBF09083}" type="slidenum">
               <a:rPr lang="zh-TW" altLang="en-US" smtClean="0"/>
+              <a:pPr/>
               <a:t>‹#›</a:t>
             </a:fld>
             <a:endParaRPr lang="zh-TW" altLang="en-US"/>
@@ -3656,7 +3675,8 @@
           <a:p>
             <a:fld id="{C8179EC0-9CDD-4CAF-A099-F074202ADFC2}" type="datetimeFigureOut">
               <a:rPr lang="zh-TW" altLang="en-US" smtClean="0"/>
-              <a:t>2018/10/21</a:t>
+              <a:pPr/>
+              <a:t>2018/10/22</a:t>
             </a:fld>
             <a:endParaRPr lang="zh-TW" altLang="en-US"/>
           </a:p>
@@ -3679,6 +3699,7 @@
           <a:p>
             <a:fld id="{719EBC9C-9B6F-48A5-94C6-2B4ECBF09083}" type="slidenum">
               <a:rPr lang="zh-TW" altLang="en-US" smtClean="0"/>
+              <a:pPr/>
               <a:t>‹#›</a:t>
             </a:fld>
             <a:endParaRPr lang="zh-TW" altLang="en-US"/>
@@ -4167,7 +4188,8 @@
           <a:p>
             <a:fld id="{C8179EC0-9CDD-4CAF-A099-F074202ADFC2}" type="datetimeFigureOut">
               <a:rPr lang="zh-TW" altLang="en-US" smtClean="0"/>
-              <a:t>2018/10/21</a:t>
+              <a:pPr/>
+              <a:t>2018/10/22</a:t>
             </a:fld>
             <a:endParaRPr lang="zh-TW" altLang="en-US"/>
           </a:p>
@@ -4190,6 +4212,7 @@
           <a:p>
             <a:fld id="{719EBC9C-9B6F-48A5-94C6-2B4ECBF09083}" type="slidenum">
               <a:rPr lang="zh-TW" altLang="en-US" smtClean="0"/>
+              <a:pPr/>
               <a:t>‹#›</a:t>
             </a:fld>
             <a:endParaRPr lang="zh-TW" altLang="en-US"/>
@@ -4412,7 +4435,8 @@
           <a:p>
             <a:fld id="{C8179EC0-9CDD-4CAF-A099-F074202ADFC2}" type="datetimeFigureOut">
               <a:rPr lang="zh-TW" altLang="en-US" smtClean="0"/>
-              <a:t>2018/10/21</a:t>
+              <a:pPr/>
+              <a:t>2018/10/22</a:t>
             </a:fld>
             <a:endParaRPr lang="zh-TW" altLang="en-US"/>
           </a:p>
@@ -4688,6 +4712,7 @@
           <a:p>
             <a:fld id="{719EBC9C-9B6F-48A5-94C6-2B4ECBF09083}" type="slidenum">
               <a:rPr lang="zh-TW" altLang="en-US" smtClean="0"/>
+              <a:pPr/>
               <a:t>‹#›</a:t>
             </a:fld>
             <a:endParaRPr lang="zh-TW" altLang="en-US"/>
@@ -5172,6 +5197,76 @@
 </p:sld>
 </file>
 
+<file path=ppt/slides/slide10.xml><?xml version="1.0" encoding="utf-8"?>
+<p:sld xmlns:a="http://schemas.openxmlformats.org/drawingml/2006/main" xmlns:r="http://schemas.openxmlformats.org/officeDocument/2006/relationships" xmlns:p="http://schemas.openxmlformats.org/presentationml/2006/main">
+  <p:cSld>
+    <p:spTree>
+      <p:nvGrpSpPr>
+        <p:cNvPr id="1" name=""/>
+        <p:cNvGrpSpPr/>
+        <p:nvPr/>
+      </p:nvGrpSpPr>
+      <p:grpSpPr>
+        <a:xfrm>
+          <a:off x="0" y="0"/>
+          <a:ext cx="0" cy="0"/>
+          <a:chOff x="0" y="0"/>
+          <a:chExt cx="0" cy="0"/>
+        </a:xfrm>
+      </p:grpSpPr>
+      <p:sp>
+        <p:nvSpPr>
+          <p:cNvPr id="2" name="標題 1"/>
+          <p:cNvSpPr>
+            <a:spLocks noGrp="1"/>
+          </p:cNvSpPr>
+          <p:nvPr>
+            <p:ph type="title"/>
+          </p:nvPr>
+        </p:nvSpPr>
+        <p:spPr/>
+        <p:txBody>
+          <a:bodyPr/>
+          <a:lstStyle/>
+          <a:p>
+            <a:endParaRPr lang="zh-TW" altLang="en-US"/>
+          </a:p>
+        </p:txBody>
+      </p:sp>
+      <p:sp>
+        <p:nvSpPr>
+          <p:cNvPr id="3" name="內容版面配置區 2"/>
+          <p:cNvSpPr>
+            <a:spLocks noGrp="1"/>
+          </p:cNvSpPr>
+          <p:nvPr>
+            <p:ph sz="quarter" idx="1"/>
+          </p:nvPr>
+        </p:nvSpPr>
+        <p:spPr/>
+        <p:txBody>
+          <a:bodyPr>
+            <a:normAutofit/>
+          </a:bodyPr>
+          <a:lstStyle/>
+          <a:p>
+            <a:pPr algn="ctr"/>
+            <a:r>
+              <a:rPr lang="en-US" altLang="zh-TW" sz="6000" dirty="0" smtClean="0"/>
+              <a:t>THANK</a:t>
+            </a:r>
+            <a:endParaRPr lang="zh-TW" altLang="en-US" sz="6000" dirty="0"/>
+          </a:p>
+        </p:txBody>
+      </p:sp>
+    </p:spTree>
+  </p:cSld>
+  <p:clrMapOvr>
+    <a:masterClrMapping/>
+  </p:clrMapOvr>
+</p:sld>
+</file>
+
 <file path=ppt/slides/slide2.xml><?xml version="1.0" encoding="utf-8"?>
 <p:sld xmlns:a="http://schemas.openxmlformats.org/drawingml/2006/main" xmlns:r="http://schemas.openxmlformats.org/officeDocument/2006/relationships" xmlns:p="http://schemas.openxmlformats.org/presentationml/2006/main">
   <p:cSld>
@@ -5301,17 +5396,7 @@
                 <a:latin typeface="標楷體" pitchFamily="65" charset="-120"/>
                 <a:ea typeface="標楷體" pitchFamily="65" charset="-120"/>
               </a:rPr>
-              <a:t>輸出</a:t>
-            </a:r>
-            <a:r>
-              <a:rPr lang="zh-TW" altLang="en-US" sz="4400" dirty="0" smtClean="0">
-                <a:solidFill>
-                  <a:schemeClr val="tx1"/>
-                </a:solidFill>
-                <a:latin typeface="標楷體" pitchFamily="65" charset="-120"/>
-                <a:ea typeface="標楷體" pitchFamily="65" charset="-120"/>
-              </a:rPr>
-              <a:t>頻譜程式碼</a:t>
+              <a:t>輸入波形圖</a:t>
             </a:r>
             <a:endParaRPr lang="zh-TW" altLang="en-US" sz="4400" dirty="0">
               <a:solidFill>
@@ -5323,220 +5408,29 @@
           </a:p>
         </p:txBody>
       </p:sp>
-      <p:sp>
-        <p:nvSpPr>
-          <p:cNvPr id="3" name="內容版面配置區 2"/>
-          <p:cNvSpPr>
-            <a:spLocks noGrp="1"/>
-          </p:cNvSpPr>
+      <p:pic>
+        <p:nvPicPr>
+          <p:cNvPr id="4" name="內容版面配置區 3" descr="輸入波型.png"/>
+          <p:cNvPicPr>
+            <a:picLocks noGrp="1" noChangeAspect="1"/>
+          </p:cNvPicPr>
           <p:nvPr>
             <p:ph sz="quarter" idx="1"/>
           </p:nvPr>
-        </p:nvSpPr>
-        <p:spPr/>
-        <p:txBody>
-          <a:bodyPr>
-            <a:normAutofit fontScale="92500" lnSpcReduction="10000"/>
-          </a:bodyPr>
-          <a:lstStyle/>
-          <a:p>
-            <a:r>
-              <a:rPr lang="en-US" altLang="zh-TW" dirty="0" smtClean="0"/>
-              <a:t>[x, </a:t>
-            </a:r>
-            <a:r>
-              <a:rPr lang="en-US" altLang="zh-TW" dirty="0" err="1" smtClean="0"/>
-              <a:t>fs</a:t>
-            </a:r>
-            <a:r>
-              <a:rPr lang="en-US" altLang="zh-TW" dirty="0" smtClean="0"/>
-              <a:t>]=</a:t>
-            </a:r>
-            <a:r>
-              <a:rPr lang="en-US" altLang="zh-TW" dirty="0" err="1" smtClean="0"/>
-              <a:t>audioread</a:t>
-            </a:r>
-            <a:r>
-              <a:rPr lang="en-US" altLang="zh-TW" dirty="0" smtClean="0"/>
-              <a:t>(‘</a:t>
-            </a:r>
-            <a:r>
-              <a:rPr lang="zh-TW" altLang="en-US" dirty="0" smtClean="0"/>
-              <a:t>巴巴</a:t>
-            </a:r>
-            <a:r>
-              <a:rPr lang="en-US" altLang="zh-TW" dirty="0" smtClean="0"/>
-              <a:t>’.wav');</a:t>
-            </a:r>
-            <a:endParaRPr lang="en-US" altLang="zh-TW" dirty="0" smtClean="0"/>
-          </a:p>
-          <a:p>
-            <a:r>
-              <a:rPr lang="en-US" altLang="zh-TW" dirty="0" smtClean="0"/>
-              <a:t>sound(x, </a:t>
-            </a:r>
-            <a:r>
-              <a:rPr lang="en-US" altLang="zh-TW" dirty="0" err="1" smtClean="0"/>
-              <a:t>fs</a:t>
-            </a:r>
-            <a:r>
-              <a:rPr lang="en-US" altLang="zh-TW" dirty="0" smtClean="0"/>
-              <a:t>); </a:t>
-            </a:r>
-            <a:r>
-              <a:rPr lang="en-US" altLang="zh-TW" dirty="0" smtClean="0"/>
-              <a:t>  </a:t>
-            </a:r>
-            <a:endParaRPr lang="en-US" altLang="zh-TW" dirty="0" smtClean="0"/>
-          </a:p>
-          <a:p>
-            <a:r>
-              <a:rPr lang="zh-TW" altLang="en-US" dirty="0" smtClean="0"/>
-              <a:t> </a:t>
-            </a:r>
-          </a:p>
-          <a:p>
-            <a:r>
-              <a:rPr lang="en-US" altLang="zh-TW" dirty="0" smtClean="0"/>
-              <a:t>t=(1:length(x))/</a:t>
-            </a:r>
-            <a:r>
-              <a:rPr lang="en-US" altLang="zh-TW" dirty="0" err="1" smtClean="0"/>
-              <a:t>fs</a:t>
-            </a:r>
-            <a:r>
-              <a:rPr lang="en-US" altLang="zh-TW" dirty="0" smtClean="0"/>
-              <a:t>; </a:t>
-            </a:r>
-          </a:p>
-          <a:p>
-            <a:r>
-              <a:rPr lang="en-US" altLang="zh-TW" dirty="0" smtClean="0"/>
-              <a:t>win = </a:t>
-            </a:r>
-            <a:r>
-              <a:rPr lang="en-US" altLang="zh-TW" dirty="0" err="1" smtClean="0"/>
-              <a:t>hanning</a:t>
-            </a:r>
-            <a:r>
-              <a:rPr lang="en-US" altLang="zh-TW" dirty="0" smtClean="0"/>
-              <a:t>(length(x)); K = sum(win)/length(x); </a:t>
-            </a:r>
-          </a:p>
-          <a:p>
-            <a:r>
-              <a:rPr lang="en-US" altLang="zh-TW" dirty="0" smtClean="0"/>
-              <a:t>X = abs(</a:t>
-            </a:r>
-            <a:r>
-              <a:rPr lang="en-US" altLang="zh-TW" dirty="0" err="1" smtClean="0"/>
-              <a:t>fft</a:t>
-            </a:r>
-            <a:r>
-              <a:rPr lang="en-US" altLang="zh-TW" dirty="0" smtClean="0"/>
-              <a:t>(x.*win)); </a:t>
-            </a:r>
-          </a:p>
-          <a:p>
-            <a:r>
-              <a:rPr lang="en-US" altLang="zh-TW" dirty="0" err="1" smtClean="0"/>
-              <a:t>Xm</a:t>
-            </a:r>
-            <a:r>
-              <a:rPr lang="en-US" altLang="zh-TW" dirty="0" smtClean="0"/>
-              <a:t> = X(1:length(x)/2); </a:t>
-            </a:r>
-          </a:p>
-          <a:p>
-            <a:r>
-              <a:rPr lang="en-US" altLang="zh-TW" dirty="0" err="1" smtClean="0"/>
-              <a:t>Xm</a:t>
-            </a:r>
-            <a:r>
-              <a:rPr lang="en-US" altLang="zh-TW" dirty="0" smtClean="0"/>
-              <a:t> = </a:t>
-            </a:r>
-            <a:r>
-              <a:rPr lang="en-US" altLang="zh-TW" dirty="0" err="1" smtClean="0"/>
-              <a:t>Xm</a:t>
-            </a:r>
-            <a:r>
-              <a:rPr lang="en-US" altLang="zh-TW" dirty="0" smtClean="0"/>
-              <a:t>/(length(x)/2);</a:t>
-            </a:r>
-          </a:p>
-          <a:p>
-            <a:r>
-              <a:rPr lang="en-US" altLang="zh-TW" dirty="0" err="1" smtClean="0"/>
-              <a:t>Xm</a:t>
-            </a:r>
-            <a:r>
-              <a:rPr lang="en-US" altLang="zh-TW" dirty="0" smtClean="0"/>
-              <a:t>(1,1) = </a:t>
-            </a:r>
-            <a:r>
-              <a:rPr lang="en-US" altLang="zh-TW" dirty="0" err="1" smtClean="0"/>
-              <a:t>Xm</a:t>
-            </a:r>
-            <a:r>
-              <a:rPr lang="en-US" altLang="zh-TW" dirty="0" smtClean="0"/>
-              <a:t>(1,1)/2; </a:t>
-            </a:r>
-          </a:p>
-          <a:p>
-            <a:r>
-              <a:rPr lang="en-US" altLang="zh-TW" dirty="0" err="1" smtClean="0"/>
-              <a:t>Xm</a:t>
-            </a:r>
-            <a:r>
-              <a:rPr lang="en-US" altLang="zh-TW" dirty="0" smtClean="0"/>
-              <a:t> = </a:t>
-            </a:r>
-            <a:r>
-              <a:rPr lang="en-US" altLang="zh-TW" dirty="0" err="1" smtClean="0"/>
-              <a:t>Xm</a:t>
-            </a:r>
-            <a:r>
-              <a:rPr lang="en-US" altLang="zh-TW" dirty="0" smtClean="0"/>
-              <a:t>/K; </a:t>
-            </a:r>
-          </a:p>
-          <a:p>
-            <a:r>
-              <a:rPr lang="en-US" altLang="zh-TW" dirty="0" smtClean="0"/>
-              <a:t>f = (0:length(x)/2-1)*</a:t>
-            </a:r>
-            <a:r>
-              <a:rPr lang="en-US" altLang="zh-TW" dirty="0" err="1" smtClean="0"/>
-              <a:t>fs</a:t>
-            </a:r>
-            <a:r>
-              <a:rPr lang="en-US" altLang="zh-TW" dirty="0" smtClean="0"/>
-              <a:t>/length(x);</a:t>
-            </a:r>
-          </a:p>
-          <a:p>
-            <a:r>
-              <a:rPr lang="en-US" altLang="zh-TW" dirty="0" smtClean="0"/>
-              <a:t>plot(f, </a:t>
-            </a:r>
-            <a:r>
-              <a:rPr lang="en-US" altLang="zh-TW" dirty="0" err="1" smtClean="0"/>
-              <a:t>Xm</a:t>
-            </a:r>
-            <a:r>
-              <a:rPr lang="en-US" altLang="zh-TW" dirty="0" smtClean="0"/>
-              <a:t>) </a:t>
-            </a:r>
-          </a:p>
-          <a:p>
-            <a:endParaRPr lang="zh-TW" altLang="en-US" dirty="0" smtClean="0"/>
-          </a:p>
-          <a:p>
-            <a:endParaRPr lang="zh-TW" altLang="en-US" dirty="0"/>
-          </a:p>
-        </p:txBody>
-      </p:sp>
+        </p:nvPicPr>
+        <p:blipFill>
+          <a:blip r:embed="rId2" cstate="print"/>
+          <a:stretch>
+            <a:fillRect/>
+          </a:stretch>
+        </p:blipFill>
+        <p:spPr>
+          <a:xfrm>
+            <a:off x="1043608" y="1700808"/>
+            <a:ext cx="6480720" cy="4536773"/>
+          </a:xfrm>
+        </p:spPr>
+      </p:pic>
     </p:spTree>
   </p:cSld>
   <p:clrMapOvr>
@@ -5581,16 +5475,6 @@
           <a:p>
             <a:pPr algn="ctr"/>
             <a:r>
-              <a:rPr lang="en-US" altLang="zh-TW" sz="4400" dirty="0" smtClean="0">
-                <a:solidFill>
-                  <a:schemeClr val="tx1"/>
-                </a:solidFill>
-                <a:latin typeface="標楷體" pitchFamily="65" charset="-120"/>
-                <a:ea typeface="標楷體" pitchFamily="65" charset="-120"/>
-              </a:rPr>
-              <a:t>AM</a:t>
-            </a:r>
-            <a:r>
               <a:rPr lang="zh-TW" altLang="en-US" sz="4400" dirty="0" smtClean="0">
                 <a:solidFill>
                   <a:schemeClr val="tx1"/>
@@ -5598,7 +5482,7 @@
                 <a:latin typeface="標楷體" pitchFamily="65" charset="-120"/>
                 <a:ea typeface="標楷體" pitchFamily="65" charset="-120"/>
               </a:rPr>
-              <a:t>輸出圖</a:t>
+              <a:t>輸出頻譜程式碼</a:t>
             </a:r>
             <a:endParaRPr lang="zh-TW" altLang="en-US" sz="4400" dirty="0">
               <a:solidFill>
@@ -5610,29 +5494,214 @@
           </a:p>
         </p:txBody>
       </p:sp>
-      <p:pic>
-        <p:nvPicPr>
-          <p:cNvPr id="4" name="內容版面配置區 3" descr="AM輸出圖.png"/>
-          <p:cNvPicPr>
-            <a:picLocks noGrp="1" noChangeAspect="1"/>
-          </p:cNvPicPr>
+      <p:sp>
+        <p:nvSpPr>
+          <p:cNvPr id="3" name="內容版面配置區 2"/>
+          <p:cNvSpPr>
+            <a:spLocks noGrp="1"/>
+          </p:cNvSpPr>
           <p:nvPr>
             <p:ph sz="quarter" idx="1"/>
           </p:nvPr>
-        </p:nvPicPr>
-        <p:blipFill>
-          <a:blip r:embed="rId2" cstate="print"/>
-          <a:stretch>
-            <a:fillRect/>
-          </a:stretch>
-        </p:blipFill>
-        <p:spPr>
-          <a:xfrm>
-            <a:off x="1187624" y="1988840"/>
-            <a:ext cx="6480720" cy="4194988"/>
-          </a:xfrm>
-        </p:spPr>
-      </p:pic>
+        </p:nvSpPr>
+        <p:spPr/>
+        <p:txBody>
+          <a:bodyPr>
+            <a:normAutofit fontScale="92500" lnSpcReduction="10000"/>
+          </a:bodyPr>
+          <a:lstStyle/>
+          <a:p>
+            <a:r>
+              <a:rPr lang="en-US" altLang="zh-TW" dirty="0" smtClean="0"/>
+              <a:t>[x, </a:t>
+            </a:r>
+            <a:r>
+              <a:rPr lang="en-US" altLang="zh-TW" dirty="0" err="1" smtClean="0"/>
+              <a:t>fs</a:t>
+            </a:r>
+            <a:r>
+              <a:rPr lang="en-US" altLang="zh-TW" dirty="0" smtClean="0"/>
+              <a:t>]=</a:t>
+            </a:r>
+            <a:r>
+              <a:rPr lang="en-US" altLang="zh-TW" dirty="0" err="1" smtClean="0"/>
+              <a:t>audioread</a:t>
+            </a:r>
+            <a:r>
+              <a:rPr lang="en-US" altLang="zh-TW" dirty="0" smtClean="0"/>
+              <a:t>(‘</a:t>
+            </a:r>
+            <a:r>
+              <a:rPr lang="zh-TW" altLang="en-US" dirty="0" smtClean="0"/>
+              <a:t>巴巴</a:t>
+            </a:r>
+            <a:r>
+              <a:rPr lang="en-US" altLang="zh-TW" dirty="0" smtClean="0"/>
+              <a:t>’.wav');</a:t>
+            </a:r>
+          </a:p>
+          <a:p>
+            <a:r>
+              <a:rPr lang="en-US" altLang="zh-TW" dirty="0" smtClean="0"/>
+              <a:t>sound(x, </a:t>
+            </a:r>
+            <a:r>
+              <a:rPr lang="en-US" altLang="zh-TW" dirty="0" err="1" smtClean="0"/>
+              <a:t>fs</a:t>
+            </a:r>
+            <a:r>
+              <a:rPr lang="en-US" altLang="zh-TW" dirty="0" smtClean="0"/>
+              <a:t>);   </a:t>
+            </a:r>
+          </a:p>
+          <a:p>
+            <a:r>
+              <a:rPr lang="zh-TW" altLang="en-US" dirty="0" smtClean="0"/>
+              <a:t> </a:t>
+            </a:r>
+          </a:p>
+          <a:p>
+            <a:r>
+              <a:rPr lang="en-US" altLang="zh-TW" dirty="0" smtClean="0"/>
+              <a:t>t=(1:length(x))/</a:t>
+            </a:r>
+            <a:r>
+              <a:rPr lang="en-US" altLang="zh-TW" dirty="0" err="1" smtClean="0"/>
+              <a:t>fs</a:t>
+            </a:r>
+            <a:r>
+              <a:rPr lang="en-US" altLang="zh-TW" dirty="0" smtClean="0"/>
+              <a:t>; </a:t>
+            </a:r>
+          </a:p>
+          <a:p>
+            <a:r>
+              <a:rPr lang="en-US" altLang="zh-TW" dirty="0" smtClean="0"/>
+              <a:t>win = </a:t>
+            </a:r>
+            <a:r>
+              <a:rPr lang="en-US" altLang="zh-TW" dirty="0" err="1" smtClean="0"/>
+              <a:t>hanning</a:t>
+            </a:r>
+            <a:r>
+              <a:rPr lang="en-US" altLang="zh-TW" dirty="0" smtClean="0"/>
+              <a:t>(length(x)); K = sum(win)/length(x); </a:t>
+            </a:r>
+          </a:p>
+          <a:p>
+            <a:r>
+              <a:rPr lang="en-US" altLang="zh-TW" dirty="0" smtClean="0"/>
+              <a:t>X = abs(</a:t>
+            </a:r>
+            <a:r>
+              <a:rPr lang="en-US" altLang="zh-TW" dirty="0" err="1" smtClean="0"/>
+              <a:t>fft</a:t>
+            </a:r>
+            <a:r>
+              <a:rPr lang="en-US" altLang="zh-TW" dirty="0" smtClean="0"/>
+              <a:t>(x.*win)); </a:t>
+            </a:r>
+          </a:p>
+          <a:p>
+            <a:r>
+              <a:rPr lang="en-US" altLang="zh-TW" dirty="0" err="1" smtClean="0"/>
+              <a:t>Xm</a:t>
+            </a:r>
+            <a:r>
+              <a:rPr lang="en-US" altLang="zh-TW" dirty="0" smtClean="0"/>
+              <a:t> = X(1:length(x)/2); </a:t>
+            </a:r>
+          </a:p>
+          <a:p>
+            <a:r>
+              <a:rPr lang="en-US" altLang="zh-TW" dirty="0" err="1" smtClean="0"/>
+              <a:t>Xm</a:t>
+            </a:r>
+            <a:r>
+              <a:rPr lang="en-US" altLang="zh-TW" dirty="0" smtClean="0"/>
+              <a:t> = </a:t>
+            </a:r>
+            <a:r>
+              <a:rPr lang="en-US" altLang="zh-TW" dirty="0" err="1" smtClean="0"/>
+              <a:t>Xm</a:t>
+            </a:r>
+            <a:r>
+              <a:rPr lang="en-US" altLang="zh-TW" dirty="0" smtClean="0"/>
+              <a:t>/(length(x)/2);</a:t>
+            </a:r>
+          </a:p>
+          <a:p>
+            <a:r>
+              <a:rPr lang="en-US" altLang="zh-TW" dirty="0" err="1" smtClean="0"/>
+              <a:t>Xm</a:t>
+            </a:r>
+            <a:r>
+              <a:rPr lang="en-US" altLang="zh-TW" dirty="0" smtClean="0"/>
+              <a:t>(1,1) = </a:t>
+            </a:r>
+            <a:r>
+              <a:rPr lang="en-US" altLang="zh-TW" dirty="0" err="1" smtClean="0"/>
+              <a:t>Xm</a:t>
+            </a:r>
+            <a:r>
+              <a:rPr lang="en-US" altLang="zh-TW" dirty="0" smtClean="0"/>
+              <a:t>(1,1)/2; </a:t>
+            </a:r>
+          </a:p>
+          <a:p>
+            <a:r>
+              <a:rPr lang="en-US" altLang="zh-TW" dirty="0" err="1" smtClean="0"/>
+              <a:t>Xm</a:t>
+            </a:r>
+            <a:r>
+              <a:rPr lang="en-US" altLang="zh-TW" dirty="0" smtClean="0"/>
+              <a:t> = </a:t>
+            </a:r>
+            <a:r>
+              <a:rPr lang="en-US" altLang="zh-TW" dirty="0" err="1" smtClean="0"/>
+              <a:t>Xm</a:t>
+            </a:r>
+            <a:r>
+              <a:rPr lang="en-US" altLang="zh-TW" dirty="0" smtClean="0"/>
+              <a:t>/K; </a:t>
+            </a:r>
+          </a:p>
+          <a:p>
+            <a:r>
+              <a:rPr lang="en-US" altLang="zh-TW" dirty="0" smtClean="0"/>
+              <a:t>f = (0:length(x)/2-1)*</a:t>
+            </a:r>
+            <a:r>
+              <a:rPr lang="en-US" altLang="zh-TW" dirty="0" err="1" smtClean="0"/>
+              <a:t>fs</a:t>
+            </a:r>
+            <a:r>
+              <a:rPr lang="en-US" altLang="zh-TW" dirty="0" smtClean="0"/>
+              <a:t>/length(x);</a:t>
+            </a:r>
+          </a:p>
+          <a:p>
+            <a:r>
+              <a:rPr lang="en-US" altLang="zh-TW" dirty="0" smtClean="0"/>
+              <a:t>plot(f, </a:t>
+            </a:r>
+            <a:r>
+              <a:rPr lang="en-US" altLang="zh-TW" dirty="0" err="1" smtClean="0"/>
+              <a:t>Xm</a:t>
+            </a:r>
+            <a:r>
+              <a:rPr lang="en-US" altLang="zh-TW" dirty="0" smtClean="0"/>
+              <a:t>) </a:t>
+            </a:r>
+          </a:p>
+          <a:p>
+            <a:endParaRPr lang="zh-TW" altLang="en-US" dirty="0" smtClean="0"/>
+          </a:p>
+          <a:p>
+            <a:endParaRPr lang="zh-TW" altLang="en-US" dirty="0"/>
+          </a:p>
+        </p:txBody>
+      </p:sp>
     </p:spTree>
   </p:cSld>
   <p:clrMapOvr>
@@ -5694,7 +5763,7 @@
                 <a:latin typeface="標楷體" pitchFamily="65" charset="-120"/>
                 <a:ea typeface="標楷體" pitchFamily="65" charset="-120"/>
               </a:rPr>
-              <a:t>程式碼</a:t>
+              <a:t>輸出波形圖</a:t>
             </a:r>
             <a:endParaRPr lang="zh-TW" altLang="en-US" sz="4400" dirty="0">
               <a:solidFill>
@@ -5706,173 +5775,29 @@
           </a:p>
         </p:txBody>
       </p:sp>
-      <p:sp>
-        <p:nvSpPr>
-          <p:cNvPr id="3" name="內容版面配置區 2"/>
-          <p:cNvSpPr>
-            <a:spLocks noGrp="1"/>
-          </p:cNvSpPr>
+      <p:pic>
+        <p:nvPicPr>
+          <p:cNvPr id="4" name="內容版面配置區 3" descr="AM輸出圖.png"/>
+          <p:cNvPicPr>
+            <a:picLocks noGrp="1" noChangeAspect="1"/>
+          </p:cNvPicPr>
           <p:nvPr>
             <p:ph sz="quarter" idx="1"/>
           </p:nvPr>
-        </p:nvSpPr>
-        <p:spPr/>
-        <p:txBody>
-          <a:bodyPr>
-            <a:normAutofit fontScale="92500" lnSpcReduction="20000"/>
-          </a:bodyPr>
-          <a:lstStyle/>
-          <a:p>
-            <a:r>
-              <a:rPr lang="en-US" altLang="zh-TW" dirty="0" err="1" smtClean="0"/>
-              <a:t>clc</a:t>
-            </a:r>
-            <a:r>
-              <a:rPr lang="en-US" altLang="zh-TW" dirty="0" smtClean="0"/>
-              <a:t>;</a:t>
-            </a:r>
-          </a:p>
-          <a:p>
-            <a:r>
-              <a:rPr lang="en-US" altLang="zh-TW" dirty="0" smtClean="0"/>
-              <a:t>close all;</a:t>
-            </a:r>
-          </a:p>
-          <a:p>
-            <a:r>
-              <a:rPr lang="en-US" altLang="zh-TW" dirty="0" smtClean="0"/>
-              <a:t>clear all;</a:t>
-            </a:r>
-          </a:p>
-          <a:p>
-            <a:r>
-              <a:rPr lang="en-US" altLang="zh-TW" dirty="0" smtClean="0"/>
-              <a:t>[x, </a:t>
-            </a:r>
-            <a:r>
-              <a:rPr lang="en-US" altLang="zh-TW" dirty="0" err="1" smtClean="0"/>
-              <a:t>fs</a:t>
-            </a:r>
-            <a:r>
-              <a:rPr lang="en-US" altLang="zh-TW" dirty="0" smtClean="0"/>
-              <a:t>]=</a:t>
-            </a:r>
-            <a:r>
-              <a:rPr lang="en-US" altLang="zh-TW" dirty="0" err="1" smtClean="0"/>
-              <a:t>audioread</a:t>
-            </a:r>
-            <a:r>
-              <a:rPr lang="en-US" altLang="zh-TW" dirty="0" smtClean="0"/>
-              <a:t>('</a:t>
-            </a:r>
-            <a:r>
-              <a:rPr lang="zh-TW" altLang="en-US" dirty="0" smtClean="0"/>
-              <a:t>巴</a:t>
-            </a:r>
-            <a:r>
-              <a:rPr lang="zh-TW" altLang="en-US" dirty="0" smtClean="0"/>
-              <a:t>巴</a:t>
-            </a:r>
-            <a:r>
-              <a:rPr lang="en-US" altLang="zh-TW" dirty="0" smtClean="0"/>
-              <a:t>’.wav</a:t>
-            </a:r>
-            <a:r>
-              <a:rPr lang="en-US" altLang="zh-TW" dirty="0" smtClean="0"/>
-              <a:t>');</a:t>
-            </a:r>
-          </a:p>
-          <a:p>
-            <a:r>
-              <a:rPr lang="en-US" altLang="zh-TW" dirty="0" smtClean="0"/>
-              <a:t>t=(1:length(x))/</a:t>
-            </a:r>
-            <a:r>
-              <a:rPr lang="en-US" altLang="zh-TW" dirty="0" err="1" smtClean="0"/>
-              <a:t>fs</a:t>
-            </a:r>
-            <a:r>
-              <a:rPr lang="en-US" altLang="zh-TW" dirty="0" smtClean="0"/>
-              <a:t>;</a:t>
-            </a:r>
-          </a:p>
-          <a:p>
-            <a:r>
-              <a:rPr lang="en-US" altLang="zh-TW" dirty="0" smtClean="0"/>
-              <a:t>am=x';</a:t>
-            </a:r>
-          </a:p>
-          <a:p>
-            <a:r>
-              <a:rPr lang="en-US" altLang="zh-TW" dirty="0" smtClean="0"/>
-              <a:t>y=</a:t>
-            </a:r>
-            <a:r>
-              <a:rPr lang="en-US" altLang="zh-TW" dirty="0" err="1" smtClean="0"/>
-              <a:t>cos</a:t>
-            </a:r>
-            <a:r>
-              <a:rPr lang="en-US" altLang="zh-TW" dirty="0" smtClean="0"/>
-              <a:t>(pi*t).*am;</a:t>
-            </a:r>
-          </a:p>
-          <a:p>
-            <a:r>
-              <a:rPr lang="zh-TW" altLang="en-US" dirty="0" smtClean="0"/>
-              <a:t> </a:t>
-            </a:r>
-          </a:p>
-          <a:p>
-            <a:r>
-              <a:rPr lang="zh-TW" altLang="en-US" dirty="0" smtClean="0"/>
-              <a:t> </a:t>
-            </a:r>
-          </a:p>
-          <a:p>
-            <a:r>
-              <a:rPr lang="en-US" altLang="zh-TW" dirty="0" smtClean="0"/>
-              <a:t>plot(</a:t>
-            </a:r>
-            <a:r>
-              <a:rPr lang="en-US" altLang="zh-TW" dirty="0" err="1" smtClean="0"/>
-              <a:t>t,y</a:t>
-            </a:r>
-            <a:r>
-              <a:rPr lang="en-US" altLang="zh-TW" dirty="0" smtClean="0"/>
-              <a:t>)</a:t>
-            </a:r>
-          </a:p>
-          <a:p>
-            <a:r>
-              <a:rPr lang="en-US" altLang="zh-TW" dirty="0" smtClean="0"/>
-              <a:t>title('Amplitude Modulated Signal')</a:t>
-            </a:r>
-          </a:p>
-          <a:p>
-            <a:r>
-              <a:rPr lang="en-US" altLang="zh-TW" dirty="0" smtClean="0"/>
-              <a:t>grid on;</a:t>
-            </a:r>
-          </a:p>
-          <a:p>
-            <a:r>
-              <a:rPr lang="en-US" altLang="zh-TW" dirty="0" smtClean="0"/>
-              <a:t>sound(</a:t>
-            </a:r>
-            <a:r>
-              <a:rPr lang="en-US" altLang="zh-TW" dirty="0" err="1" smtClean="0"/>
-              <a:t>y,fs</a:t>
-            </a:r>
-            <a:r>
-              <a:rPr lang="en-US" altLang="zh-TW" dirty="0" smtClean="0"/>
-              <a:t>)</a:t>
-            </a:r>
-          </a:p>
-          <a:p>
-            <a:endParaRPr lang="zh-TW" altLang="en-US" dirty="0"/>
-          </a:p>
-        </p:txBody>
-      </p:sp>
+        </p:nvPicPr>
+        <p:blipFill>
+          <a:blip r:embed="rId2" cstate="print"/>
+          <a:stretch>
+            <a:fillRect/>
+          </a:stretch>
+        </p:blipFill>
+        <p:spPr>
+          <a:xfrm>
+            <a:off x="1187624" y="1988840"/>
+            <a:ext cx="6480720" cy="4194988"/>
+          </a:xfrm>
+        </p:spPr>
+      </p:pic>
     </p:spTree>
   </p:cSld>
   <p:clrMapOvr>
@@ -5924,7 +5849,7 @@
                 <a:latin typeface="標楷體" pitchFamily="65" charset="-120"/>
                 <a:ea typeface="標楷體" pitchFamily="65" charset="-120"/>
               </a:rPr>
-              <a:t>FM</a:t>
+              <a:t>AM</a:t>
             </a:r>
             <a:r>
               <a:rPr lang="zh-TW" altLang="en-US" sz="4400" dirty="0" smtClean="0">
@@ -5934,7 +5859,7 @@
                 <a:latin typeface="標楷體" pitchFamily="65" charset="-120"/>
                 <a:ea typeface="標楷體" pitchFamily="65" charset="-120"/>
               </a:rPr>
-              <a:t>輸出</a:t>
+              <a:t>程式碼</a:t>
             </a:r>
             <a:endParaRPr lang="zh-TW" altLang="en-US" sz="4400" dirty="0">
               <a:solidFill>
@@ -5946,29 +5871,169 @@
           </a:p>
         </p:txBody>
       </p:sp>
-      <p:pic>
-        <p:nvPicPr>
-          <p:cNvPr id="4" name="內容版面配置區 3" descr="FM輸出頻譜.jpg"/>
-          <p:cNvPicPr>
-            <a:picLocks noGrp="1" noChangeAspect="1"/>
-          </p:cNvPicPr>
+      <p:sp>
+        <p:nvSpPr>
+          <p:cNvPr id="3" name="內容版面配置區 2"/>
+          <p:cNvSpPr>
+            <a:spLocks noGrp="1"/>
+          </p:cNvSpPr>
           <p:nvPr>
             <p:ph sz="quarter" idx="1"/>
           </p:nvPr>
-        </p:nvPicPr>
-        <p:blipFill>
-          <a:blip r:embed="rId2" cstate="print"/>
-          <a:stretch>
-            <a:fillRect/>
-          </a:stretch>
-        </p:blipFill>
-        <p:spPr>
-          <a:xfrm>
-            <a:off x="1259632" y="1484784"/>
-            <a:ext cx="6284739" cy="4569522"/>
-          </a:xfrm>
-        </p:spPr>
-      </p:pic>
+        </p:nvSpPr>
+        <p:spPr/>
+        <p:txBody>
+          <a:bodyPr>
+            <a:normAutofit fontScale="92500" lnSpcReduction="20000"/>
+          </a:bodyPr>
+          <a:lstStyle/>
+          <a:p>
+            <a:r>
+              <a:rPr lang="en-US" altLang="zh-TW" dirty="0" err="1" smtClean="0"/>
+              <a:t>clc</a:t>
+            </a:r>
+            <a:r>
+              <a:rPr lang="en-US" altLang="zh-TW" dirty="0" smtClean="0"/>
+              <a:t>;</a:t>
+            </a:r>
+          </a:p>
+          <a:p>
+            <a:r>
+              <a:rPr lang="en-US" altLang="zh-TW" dirty="0" smtClean="0"/>
+              <a:t>close all;</a:t>
+            </a:r>
+          </a:p>
+          <a:p>
+            <a:r>
+              <a:rPr lang="en-US" altLang="zh-TW" dirty="0" smtClean="0"/>
+              <a:t>clear all;</a:t>
+            </a:r>
+          </a:p>
+          <a:p>
+            <a:r>
+              <a:rPr lang="en-US" altLang="zh-TW" dirty="0" smtClean="0"/>
+              <a:t>[x, </a:t>
+            </a:r>
+            <a:r>
+              <a:rPr lang="en-US" altLang="zh-TW" dirty="0" err="1" smtClean="0"/>
+              <a:t>fs</a:t>
+            </a:r>
+            <a:r>
+              <a:rPr lang="en-US" altLang="zh-TW" dirty="0" smtClean="0"/>
+              <a:t>]=</a:t>
+            </a:r>
+            <a:r>
+              <a:rPr lang="en-US" altLang="zh-TW" dirty="0" err="1" smtClean="0"/>
+              <a:t>audioread</a:t>
+            </a:r>
+            <a:r>
+              <a:rPr lang="en-US" altLang="zh-TW" dirty="0" smtClean="0"/>
+              <a:t>(‘</a:t>
+            </a:r>
+            <a:r>
+              <a:rPr lang="en-US" altLang="zh-TW" dirty="0" err="1" smtClean="0"/>
+              <a:t>origin’.</a:t>
+            </a:r>
+            <a:r>
+              <a:rPr lang="en-US" altLang="zh-TW" dirty="0" err="1" smtClean="0"/>
+              <a:t>wav</a:t>
+            </a:r>
+            <a:r>
+              <a:rPr lang="en-US" altLang="zh-TW" dirty="0" smtClean="0"/>
+              <a:t>');</a:t>
+            </a:r>
+          </a:p>
+          <a:p>
+            <a:r>
+              <a:rPr lang="en-US" altLang="zh-TW" dirty="0" smtClean="0"/>
+              <a:t>t=(1:length(x))/</a:t>
+            </a:r>
+            <a:r>
+              <a:rPr lang="en-US" altLang="zh-TW" dirty="0" err="1" smtClean="0"/>
+              <a:t>fs</a:t>
+            </a:r>
+            <a:r>
+              <a:rPr lang="en-US" altLang="zh-TW" dirty="0" smtClean="0"/>
+              <a:t>;</a:t>
+            </a:r>
+          </a:p>
+          <a:p>
+            <a:r>
+              <a:rPr lang="en-US" altLang="zh-TW" dirty="0" smtClean="0"/>
+              <a:t>am=x';</a:t>
+            </a:r>
+          </a:p>
+          <a:p>
+            <a:r>
+              <a:rPr lang="en-US" altLang="zh-TW" dirty="0" smtClean="0"/>
+              <a:t>y=</a:t>
+            </a:r>
+            <a:r>
+              <a:rPr lang="en-US" altLang="zh-TW" dirty="0" err="1" smtClean="0"/>
+              <a:t>cos</a:t>
+            </a:r>
+            <a:r>
+              <a:rPr lang="en-US" altLang="zh-TW" dirty="0" smtClean="0"/>
+              <a:t>(pi*t).*am;</a:t>
+            </a:r>
+          </a:p>
+          <a:p>
+            <a:r>
+              <a:rPr lang="zh-TW" altLang="en-US" dirty="0" smtClean="0"/>
+              <a:t> </a:t>
+            </a:r>
+          </a:p>
+          <a:p>
+            <a:r>
+              <a:rPr lang="zh-TW" altLang="en-US" dirty="0" smtClean="0"/>
+              <a:t> </a:t>
+            </a:r>
+          </a:p>
+          <a:p>
+            <a:r>
+              <a:rPr lang="en-US" altLang="zh-TW" dirty="0" smtClean="0"/>
+              <a:t>plot(</a:t>
+            </a:r>
+            <a:r>
+              <a:rPr lang="en-US" altLang="zh-TW" dirty="0" err="1" smtClean="0"/>
+              <a:t>t,y</a:t>
+            </a:r>
+            <a:r>
+              <a:rPr lang="en-US" altLang="zh-TW" dirty="0" smtClean="0"/>
+              <a:t>)</a:t>
+            </a:r>
+          </a:p>
+          <a:p>
+            <a:r>
+              <a:rPr lang="en-US" altLang="zh-TW" dirty="0" smtClean="0"/>
+              <a:t>title('Amplitude Modulated Signal')</a:t>
+            </a:r>
+          </a:p>
+          <a:p>
+            <a:r>
+              <a:rPr lang="en-US" altLang="zh-TW" dirty="0" smtClean="0"/>
+              <a:t>grid on;</a:t>
+            </a:r>
+          </a:p>
+          <a:p>
+            <a:r>
+              <a:rPr lang="en-US" altLang="zh-TW" dirty="0" smtClean="0"/>
+              <a:t>sound(</a:t>
+            </a:r>
+            <a:r>
+              <a:rPr lang="en-US" altLang="zh-TW" dirty="0" err="1" smtClean="0"/>
+              <a:t>y,fs</a:t>
+            </a:r>
+            <a:r>
+              <a:rPr lang="en-US" altLang="zh-TW" dirty="0" smtClean="0"/>
+              <a:t>)</a:t>
+            </a:r>
+          </a:p>
+          <a:p>
+            <a:endParaRPr lang="zh-TW" altLang="en-US" dirty="0"/>
+          </a:p>
+        </p:txBody>
+      </p:sp>
     </p:spTree>
   </p:cSld>
   <p:clrMapOvr>
@@ -6030,17 +6095,7 @@
                 <a:latin typeface="標楷體" pitchFamily="65" charset="-120"/>
                 <a:ea typeface="標楷體" pitchFamily="65" charset="-120"/>
               </a:rPr>
-              <a:t>程式碼</a:t>
-            </a:r>
-            <a:r>
-              <a:rPr lang="en-US" altLang="zh-TW" sz="4400" dirty="0" smtClean="0">
-                <a:solidFill>
-                  <a:schemeClr val="tx1"/>
-                </a:solidFill>
-                <a:latin typeface="標楷體" pitchFamily="65" charset="-120"/>
-                <a:ea typeface="標楷體" pitchFamily="65" charset="-120"/>
-              </a:rPr>
-              <a:t>-1</a:t>
+              <a:t>輸出頻譜</a:t>
             </a:r>
             <a:endParaRPr lang="zh-TW" altLang="en-US" sz="4400" dirty="0">
               <a:solidFill>
@@ -6052,153 +6107,29 @@
           </a:p>
         </p:txBody>
       </p:sp>
-      <p:sp>
-        <p:nvSpPr>
-          <p:cNvPr id="3" name="內容版面配置區 2"/>
-          <p:cNvSpPr>
-            <a:spLocks noGrp="1"/>
-          </p:cNvSpPr>
+      <p:pic>
+        <p:nvPicPr>
+          <p:cNvPr id="4" name="內容版面配置區 3" descr="FM輸出頻譜.jpg"/>
+          <p:cNvPicPr>
+            <a:picLocks noGrp="1" noChangeAspect="1"/>
+          </p:cNvPicPr>
           <p:nvPr>
             <p:ph sz="quarter" idx="1"/>
           </p:nvPr>
-        </p:nvSpPr>
-        <p:spPr/>
-        <p:txBody>
-          <a:bodyPr>
-            <a:normAutofit lnSpcReduction="10000"/>
-          </a:bodyPr>
-          <a:lstStyle/>
-          <a:p>
-            <a:r>
-              <a:rPr lang="en-US" altLang="zh-TW" dirty="0" err="1" smtClean="0"/>
-              <a:t>clc</a:t>
-            </a:r>
-            <a:r>
-              <a:rPr lang="en-US" altLang="zh-TW" dirty="0" smtClean="0"/>
-              <a:t>;</a:t>
-            </a:r>
-          </a:p>
-          <a:p>
-            <a:r>
-              <a:rPr lang="en-US" altLang="zh-TW" dirty="0" smtClean="0"/>
-              <a:t>close all;</a:t>
-            </a:r>
-          </a:p>
-          <a:p>
-            <a:r>
-              <a:rPr lang="en-US" altLang="zh-TW" dirty="0" smtClean="0"/>
-              <a:t>clear all;</a:t>
-            </a:r>
-          </a:p>
-          <a:p>
-            <a:r>
-              <a:rPr lang="en-US" altLang="zh-TW" dirty="0" smtClean="0"/>
-              <a:t>[x, </a:t>
-            </a:r>
-            <a:r>
-              <a:rPr lang="en-US" altLang="zh-TW" dirty="0" err="1" smtClean="0"/>
-              <a:t>fs</a:t>
-            </a:r>
-            <a:r>
-              <a:rPr lang="en-US" altLang="zh-TW" dirty="0" smtClean="0"/>
-              <a:t>]=</a:t>
-            </a:r>
-            <a:r>
-              <a:rPr lang="en-US" altLang="zh-TW" dirty="0" err="1" smtClean="0"/>
-              <a:t>audioread</a:t>
-            </a:r>
-            <a:r>
-              <a:rPr lang="en-US" altLang="zh-TW" dirty="0" smtClean="0"/>
-              <a:t>('</a:t>
-            </a:r>
-            <a:r>
-              <a:rPr lang="zh-TW" altLang="en-US" dirty="0" smtClean="0"/>
-              <a:t>巴</a:t>
-            </a:r>
-            <a:r>
-              <a:rPr lang="zh-TW" altLang="en-US" dirty="0" smtClean="0"/>
-              <a:t>巴</a:t>
-            </a:r>
-            <a:r>
-              <a:rPr lang="en-US" altLang="zh-TW" dirty="0" smtClean="0"/>
-              <a:t>’.wav');</a:t>
-            </a:r>
-            <a:endParaRPr lang="en-US" altLang="zh-TW" dirty="0" smtClean="0"/>
-          </a:p>
-          <a:p>
-            <a:r>
-              <a:rPr lang="en-US" altLang="zh-TW" dirty="0" smtClean="0"/>
-              <a:t>t=(1:length(x))/</a:t>
-            </a:r>
-            <a:r>
-              <a:rPr lang="en-US" altLang="zh-TW" dirty="0" err="1" smtClean="0"/>
-              <a:t>fs</a:t>
-            </a:r>
-            <a:r>
-              <a:rPr lang="en-US" altLang="zh-TW" dirty="0" smtClean="0"/>
-              <a:t>;</a:t>
-            </a:r>
-          </a:p>
-          <a:p>
-            <a:r>
-              <a:rPr lang="en-US" altLang="zh-TW" dirty="0" smtClean="0"/>
-              <a:t>am=x';</a:t>
-            </a:r>
-          </a:p>
-          <a:p>
-            <a:r>
-              <a:rPr lang="en-US" altLang="zh-TW" dirty="0" smtClean="0"/>
-              <a:t>y=</a:t>
-            </a:r>
-            <a:r>
-              <a:rPr lang="en-US" altLang="zh-TW" dirty="0" err="1" smtClean="0"/>
-              <a:t>cos</a:t>
-            </a:r>
-            <a:r>
-              <a:rPr lang="en-US" altLang="zh-TW" dirty="0" smtClean="0"/>
-              <a:t>(pi*t*90000).*am;</a:t>
-            </a:r>
-          </a:p>
-          <a:p>
-            <a:r>
-              <a:rPr lang="zh-TW" altLang="en-US" dirty="0" smtClean="0"/>
-              <a:t> </a:t>
-            </a:r>
-          </a:p>
-          <a:p>
-            <a:r>
-              <a:rPr lang="en-US" altLang="zh-TW" dirty="0" smtClean="0"/>
-              <a:t>title('Amplitude Modulated Signal')</a:t>
-            </a:r>
-          </a:p>
-          <a:p>
-            <a:r>
-              <a:rPr lang="en-US" altLang="zh-TW" dirty="0" smtClean="0"/>
-              <a:t>grid on;</a:t>
-            </a:r>
-          </a:p>
-          <a:p>
-            <a:r>
-              <a:rPr lang="en-US" altLang="zh-TW" dirty="0" smtClean="0"/>
-              <a:t>sound(</a:t>
-            </a:r>
-            <a:r>
-              <a:rPr lang="en-US" altLang="zh-TW" dirty="0" err="1" smtClean="0"/>
-              <a:t>y,fs</a:t>
-            </a:r>
-            <a:r>
-              <a:rPr lang="en-US" altLang="zh-TW" dirty="0" smtClean="0"/>
-              <a:t>)</a:t>
-            </a:r>
-          </a:p>
-          <a:p>
-            <a:endParaRPr lang="zh-TW" altLang="en-US" dirty="0" smtClean="0"/>
-          </a:p>
-          <a:p>
-            <a:endParaRPr lang="zh-TW" altLang="en-US" dirty="0"/>
-          </a:p>
-        </p:txBody>
-      </p:sp>
+        </p:nvPicPr>
+        <p:blipFill>
+          <a:blip r:embed="rId2" cstate="print"/>
+          <a:stretch>
+            <a:fillRect/>
+          </a:stretch>
+        </p:blipFill>
+        <p:spPr>
+          <a:xfrm>
+            <a:off x="1259632" y="1484784"/>
+            <a:ext cx="6284739" cy="4569522"/>
+          </a:xfrm>
+        </p:spPr>
+      </p:pic>
     </p:spTree>
   </p:cSld>
   <p:clrMapOvr>
@@ -6270,12 +6201,14 @@
                 <a:latin typeface="標楷體" pitchFamily="65" charset="-120"/>
                 <a:ea typeface="標楷體" pitchFamily="65" charset="-120"/>
               </a:rPr>
-              <a:t>-2</a:t>
+              <a:t>-1</a:t>
             </a:r>
             <a:endParaRPr lang="zh-TW" altLang="en-US" sz="4400" dirty="0">
               <a:solidFill>
                 <a:schemeClr val="tx1"/>
               </a:solidFill>
+              <a:latin typeface="標楷體" pitchFamily="65" charset="-120"/>
+              <a:ea typeface="標楷體" pitchFamily="65" charset="-120"/>
             </a:endParaRPr>
           </a:p>
         </p:txBody>
@@ -6292,12 +6225,36 @@
         </p:nvSpPr>
         <p:spPr/>
         <p:txBody>
-          <a:bodyPr/>
-          <a:lstStyle/>
-          <a:p>
-            <a:r>
-              <a:rPr lang="en-US" altLang="zh-TW" dirty="0" smtClean="0"/>
-              <a:t>t=(1:length(y))/</a:t>
+          <a:bodyPr>
+            <a:normAutofit lnSpcReduction="10000"/>
+          </a:bodyPr>
+          <a:lstStyle/>
+          <a:p>
+            <a:r>
+              <a:rPr lang="en-US" altLang="zh-TW" dirty="0" err="1" smtClean="0"/>
+              <a:t>clc</a:t>
+            </a:r>
+            <a:r>
+              <a:rPr lang="en-US" altLang="zh-TW" dirty="0" smtClean="0"/>
+              <a:t>;</a:t>
+            </a:r>
+          </a:p>
+          <a:p>
+            <a:r>
+              <a:rPr lang="en-US" altLang="zh-TW" dirty="0" smtClean="0"/>
+              <a:t>close all;</a:t>
+            </a:r>
+          </a:p>
+          <a:p>
+            <a:r>
+              <a:rPr lang="en-US" altLang="zh-TW" dirty="0" smtClean="0"/>
+              <a:t>clear all;</a:t>
+            </a:r>
+          </a:p>
+          <a:p>
+            <a:r>
+              <a:rPr lang="en-US" altLang="zh-TW" dirty="0" smtClean="0"/>
+              <a:t>[x, </a:t>
             </a:r>
             <a:r>
               <a:rPr lang="en-US" altLang="zh-TW" dirty="0" err="1" smtClean="0"/>
@@ -6305,111 +6262,33 @@
             </a:r>
             <a:r>
               <a:rPr lang="en-US" altLang="zh-TW" dirty="0" smtClean="0"/>
-              <a:t>; </a:t>
-            </a:r>
-          </a:p>
-          <a:p>
-            <a:r>
-              <a:rPr lang="en-US" altLang="zh-TW" dirty="0" smtClean="0"/>
-              <a:t>win = </a:t>
+              <a:t>]=</a:t>
             </a:r>
             <a:r>
               <a:rPr lang="en-US" altLang="zh-TW" dirty="0" err="1" smtClean="0"/>
-              <a:t>hanning</a:t>
-            </a:r>
-            <a:r>
-              <a:rPr lang="en-US" altLang="zh-TW" dirty="0" smtClean="0"/>
-              <a:t>(length(y)); K = sum(win)/length(y); </a:t>
-            </a:r>
-          </a:p>
-          <a:p>
-            <a:r>
-              <a:rPr lang="en-US" altLang="zh-TW" dirty="0" smtClean="0"/>
-              <a:t>y=y';</a:t>
-            </a:r>
-          </a:p>
-          <a:p>
-            <a:r>
-              <a:rPr lang="en-US" altLang="zh-TW" dirty="0" smtClean="0"/>
-              <a:t>X = abs(</a:t>
+              <a:t>audioread</a:t>
+            </a:r>
+            <a:r>
+              <a:rPr lang="en-US" altLang="zh-TW" dirty="0" smtClean="0"/>
+              <a:t>(‘</a:t>
             </a:r>
             <a:r>
               <a:rPr lang="en-US" altLang="zh-TW" dirty="0" err="1" smtClean="0"/>
-              <a:t>fft</a:t>
-            </a:r>
-            <a:r>
-              <a:rPr lang="en-US" altLang="zh-TW" dirty="0" smtClean="0"/>
-              <a:t>(y.*win)); </a:t>
-            </a:r>
-          </a:p>
-          <a:p>
+              <a:t>origin’.</a:t>
+            </a:r>
             <a:r>
               <a:rPr lang="en-US" altLang="zh-TW" dirty="0" err="1" smtClean="0"/>
-              <a:t>Xm</a:t>
-            </a:r>
-            <a:r>
-              <a:rPr lang="en-US" altLang="zh-TW" dirty="0" smtClean="0"/>
-              <a:t> = X(1:length(y)/2); </a:t>
-            </a:r>
-          </a:p>
-          <a:p>
-            <a:r>
-              <a:rPr lang="en-US" altLang="zh-TW" dirty="0" err="1" smtClean="0"/>
-              <a:t>Xm</a:t>
-            </a:r>
-            <a:r>
-              <a:rPr lang="en-US" altLang="zh-TW" dirty="0" smtClean="0"/>
-              <a:t> = </a:t>
-            </a:r>
-            <a:r>
-              <a:rPr lang="en-US" altLang="zh-TW" dirty="0" err="1" smtClean="0"/>
-              <a:t>Xm</a:t>
-            </a:r>
-            <a:r>
-              <a:rPr lang="en-US" altLang="zh-TW" dirty="0" smtClean="0"/>
-              <a:t>/(length(y)/2);</a:t>
-            </a:r>
-          </a:p>
-          <a:p>
-            <a:r>
-              <a:rPr lang="en-US" altLang="zh-TW" dirty="0" err="1" smtClean="0"/>
-              <a:t>Xm</a:t>
-            </a:r>
-            <a:r>
-              <a:rPr lang="en-US" altLang="zh-TW" dirty="0" smtClean="0"/>
-              <a:t>(1,1) = </a:t>
-            </a:r>
-            <a:r>
-              <a:rPr lang="en-US" altLang="zh-TW" dirty="0" err="1" smtClean="0"/>
-              <a:t>Xm</a:t>
-            </a:r>
-            <a:r>
-              <a:rPr lang="en-US" altLang="zh-TW" dirty="0" smtClean="0"/>
-              <a:t>(1,1)/2; </a:t>
-            </a:r>
-          </a:p>
-          <a:p>
-            <a:r>
-              <a:rPr lang="en-US" altLang="zh-TW" dirty="0" err="1" smtClean="0"/>
-              <a:t>Xm</a:t>
-            </a:r>
-            <a:r>
-              <a:rPr lang="en-US" altLang="zh-TW" dirty="0" smtClean="0"/>
-              <a:t> = </a:t>
-            </a:r>
-            <a:r>
-              <a:rPr lang="en-US" altLang="zh-TW" dirty="0" err="1" smtClean="0"/>
-              <a:t>Xm</a:t>
-            </a:r>
-            <a:r>
-              <a:rPr lang="en-US" altLang="zh-TW" dirty="0" smtClean="0"/>
-              <a:t>/K; </a:t>
-            </a:r>
-          </a:p>
-          <a:p>
-            <a:r>
-              <a:rPr lang="en-US" altLang="zh-TW" dirty="0" smtClean="0"/>
-              <a:t>f = (0:length(y)/2-1)*</a:t>
+              <a:t>wav</a:t>
+            </a:r>
+            <a:r>
+              <a:rPr lang="en-US" altLang="zh-TW" dirty="0" smtClean="0"/>
+              <a:t>');</a:t>
+            </a:r>
+          </a:p>
+          <a:p>
+            <a:r>
+              <a:rPr lang="en-US" altLang="zh-TW" dirty="0" smtClean="0"/>
+              <a:t>t=(1:length(x))/</a:t>
             </a:r>
             <a:r>
               <a:rPr lang="en-US" altLang="zh-TW" dirty="0" err="1" smtClean="0"/>
@@ -6417,22 +6296,63 @@
             </a:r>
             <a:r>
               <a:rPr lang="en-US" altLang="zh-TW" dirty="0" smtClean="0"/>
-              <a:t>/length(y);</a:t>
-            </a:r>
-          </a:p>
-          <a:p>
-            <a:r>
-              <a:rPr lang="en-US" altLang="zh-TW" dirty="0" smtClean="0"/>
-              <a:t>plot(f, </a:t>
+              <a:t>;</a:t>
+            </a:r>
+          </a:p>
+          <a:p>
+            <a:r>
+              <a:rPr lang="en-US" altLang="zh-TW" dirty="0" smtClean="0"/>
+              <a:t>am=x';</a:t>
+            </a:r>
+          </a:p>
+          <a:p>
+            <a:r>
+              <a:rPr lang="en-US" altLang="zh-TW" dirty="0" smtClean="0"/>
+              <a:t>y=</a:t>
             </a:r>
             <a:r>
               <a:rPr lang="en-US" altLang="zh-TW" dirty="0" err="1" smtClean="0"/>
-              <a:t>Xm</a:t>
+              <a:t>cos</a:t>
+            </a:r>
+            <a:r>
+              <a:rPr lang="en-US" altLang="zh-TW" dirty="0" smtClean="0"/>
+              <a:t>(pi*t*90000).*am;</a:t>
+            </a:r>
+          </a:p>
+          <a:p>
+            <a:r>
+              <a:rPr lang="zh-TW" altLang="en-US" dirty="0" smtClean="0"/>
+              <a:t> </a:t>
+            </a:r>
+          </a:p>
+          <a:p>
+            <a:r>
+              <a:rPr lang="en-US" altLang="zh-TW" dirty="0" smtClean="0"/>
+              <a:t>title('Amplitude Modulated Signal')</a:t>
+            </a:r>
+          </a:p>
+          <a:p>
+            <a:r>
+              <a:rPr lang="en-US" altLang="zh-TW" dirty="0" smtClean="0"/>
+              <a:t>grid on;</a:t>
+            </a:r>
+          </a:p>
+          <a:p>
+            <a:r>
+              <a:rPr lang="en-US" altLang="zh-TW" dirty="0" smtClean="0"/>
+              <a:t>sound(</a:t>
+            </a:r>
+            <a:r>
+              <a:rPr lang="en-US" altLang="zh-TW" dirty="0" err="1" smtClean="0"/>
+              <a:t>y,fs</a:t>
             </a:r>
             <a:r>
               <a:rPr lang="en-US" altLang="zh-TW" dirty="0" smtClean="0"/>
               <a:t>)</a:t>
             </a:r>
+          </a:p>
+          <a:p>
+            <a:endParaRPr lang="zh-TW" altLang="en-US" dirty="0" smtClean="0"/>
           </a:p>
           <a:p>
             <a:endParaRPr lang="zh-TW" altLang="en-US" dirty="0"/>
@@ -6476,25 +6396,6 @@
         </p:nvSpPr>
         <p:spPr/>
         <p:txBody>
-          <a:bodyPr/>
-          <a:lstStyle/>
-          <a:p>
-            <a:endParaRPr lang="zh-TW" altLang="en-US"/>
-          </a:p>
-        </p:txBody>
-      </p:sp>
-      <p:sp>
-        <p:nvSpPr>
-          <p:cNvPr id="3" name="內容版面配置區 2"/>
-          <p:cNvSpPr>
-            <a:spLocks noGrp="1"/>
-          </p:cNvSpPr>
-          <p:nvPr>
-            <p:ph sz="quarter" idx="1"/>
-          </p:nvPr>
-        </p:nvSpPr>
-        <p:spPr/>
-        <p:txBody>
           <a:bodyPr>
             <a:normAutofit/>
           </a:bodyPr>
@@ -6502,10 +6403,199 @@
           <a:p>
             <a:pPr algn="ctr"/>
             <a:r>
-              <a:rPr lang="en-US" altLang="zh-TW" sz="6000" dirty="0" smtClean="0"/>
-              <a:t>THANK</a:t>
-            </a:r>
-            <a:endParaRPr lang="zh-TW" altLang="en-US" sz="6000" dirty="0"/>
+              <a:rPr lang="en-US" altLang="zh-TW" sz="4400" dirty="0" smtClean="0">
+                <a:solidFill>
+                  <a:schemeClr val="tx1"/>
+                </a:solidFill>
+                <a:latin typeface="標楷體" pitchFamily="65" charset="-120"/>
+                <a:ea typeface="標楷體" pitchFamily="65" charset="-120"/>
+              </a:rPr>
+              <a:t>FM</a:t>
+            </a:r>
+            <a:r>
+              <a:rPr lang="zh-TW" altLang="en-US" sz="4400" dirty="0" smtClean="0">
+                <a:solidFill>
+                  <a:schemeClr val="tx1"/>
+                </a:solidFill>
+                <a:latin typeface="標楷體" pitchFamily="65" charset="-120"/>
+                <a:ea typeface="標楷體" pitchFamily="65" charset="-120"/>
+              </a:rPr>
+              <a:t>程式碼</a:t>
+            </a:r>
+            <a:r>
+              <a:rPr lang="en-US" altLang="zh-TW" sz="4400" dirty="0" smtClean="0">
+                <a:solidFill>
+                  <a:schemeClr val="tx1"/>
+                </a:solidFill>
+                <a:latin typeface="標楷體" pitchFamily="65" charset="-120"/>
+                <a:ea typeface="標楷體" pitchFamily="65" charset="-120"/>
+              </a:rPr>
+              <a:t>-2</a:t>
+            </a:r>
+            <a:endParaRPr lang="zh-TW" altLang="en-US" sz="4400" dirty="0">
+              <a:solidFill>
+                <a:schemeClr val="tx1"/>
+              </a:solidFill>
+            </a:endParaRPr>
+          </a:p>
+        </p:txBody>
+      </p:sp>
+      <p:sp>
+        <p:nvSpPr>
+          <p:cNvPr id="3" name="內容版面配置區 2"/>
+          <p:cNvSpPr>
+            <a:spLocks noGrp="1"/>
+          </p:cNvSpPr>
+          <p:nvPr>
+            <p:ph sz="quarter" idx="1"/>
+          </p:nvPr>
+        </p:nvSpPr>
+        <p:spPr/>
+        <p:txBody>
+          <a:bodyPr/>
+          <a:lstStyle/>
+          <a:p>
+            <a:r>
+              <a:rPr lang="en-US" altLang="zh-TW" dirty="0" smtClean="0"/>
+              <a:t>t=(1:length(y))/</a:t>
+            </a:r>
+            <a:r>
+              <a:rPr lang="en-US" altLang="zh-TW" dirty="0" err="1" smtClean="0"/>
+              <a:t>fs</a:t>
+            </a:r>
+            <a:r>
+              <a:rPr lang="en-US" altLang="zh-TW" dirty="0" smtClean="0"/>
+              <a:t>; </a:t>
+            </a:r>
+          </a:p>
+          <a:p>
+            <a:r>
+              <a:rPr lang="en-US" altLang="zh-TW" dirty="0" smtClean="0"/>
+              <a:t>win = </a:t>
+            </a:r>
+            <a:r>
+              <a:rPr lang="en-US" altLang="zh-TW" dirty="0" err="1" smtClean="0"/>
+              <a:t>hanning</a:t>
+            </a:r>
+            <a:r>
+              <a:rPr lang="en-US" altLang="zh-TW" dirty="0" smtClean="0"/>
+              <a:t>(length(y)); K = sum(win)/length(y); </a:t>
+            </a:r>
+          </a:p>
+          <a:p>
+            <a:r>
+              <a:rPr lang="en-US" altLang="zh-TW" dirty="0" smtClean="0"/>
+              <a:t>y=y';</a:t>
+            </a:r>
+          </a:p>
+          <a:p>
+            <a:r>
+              <a:rPr lang="en-US" altLang="zh-TW" dirty="0" smtClean="0"/>
+              <a:t>X = abs(</a:t>
+            </a:r>
+            <a:r>
+              <a:rPr lang="en-US" altLang="zh-TW" dirty="0" err="1" smtClean="0"/>
+              <a:t>fft</a:t>
+            </a:r>
+            <a:r>
+              <a:rPr lang="en-US" altLang="zh-TW" dirty="0" smtClean="0"/>
+              <a:t>(y.*win)); </a:t>
+            </a:r>
+          </a:p>
+          <a:p>
+            <a:r>
+              <a:rPr lang="en-US" altLang="zh-TW" dirty="0" err="1" smtClean="0"/>
+              <a:t>Xm</a:t>
+            </a:r>
+            <a:r>
+              <a:rPr lang="en-US" altLang="zh-TW" dirty="0" smtClean="0"/>
+              <a:t> = X(1:length(y)/2); </a:t>
+            </a:r>
+          </a:p>
+          <a:p>
+            <a:r>
+              <a:rPr lang="en-US" altLang="zh-TW" dirty="0" err="1" smtClean="0"/>
+              <a:t>Xm</a:t>
+            </a:r>
+            <a:r>
+              <a:rPr lang="en-US" altLang="zh-TW" dirty="0" smtClean="0"/>
+              <a:t> = </a:t>
+            </a:r>
+            <a:r>
+              <a:rPr lang="en-US" altLang="zh-TW" dirty="0" err="1" smtClean="0"/>
+              <a:t>Xm</a:t>
+            </a:r>
+            <a:r>
+              <a:rPr lang="en-US" altLang="zh-TW" dirty="0" smtClean="0"/>
+              <a:t>/(length(y)/2);</a:t>
+            </a:r>
+          </a:p>
+          <a:p>
+            <a:r>
+              <a:rPr lang="en-US" altLang="zh-TW" dirty="0" err="1" smtClean="0"/>
+              <a:t>Xm</a:t>
+            </a:r>
+            <a:r>
+              <a:rPr lang="en-US" altLang="zh-TW" dirty="0" smtClean="0"/>
+              <a:t>(1,1) = </a:t>
+            </a:r>
+            <a:r>
+              <a:rPr lang="en-US" altLang="zh-TW" dirty="0" err="1" smtClean="0"/>
+              <a:t>Xm</a:t>
+            </a:r>
+            <a:r>
+              <a:rPr lang="en-US" altLang="zh-TW" dirty="0" smtClean="0"/>
+              <a:t>(1,1)/2; </a:t>
+            </a:r>
+          </a:p>
+          <a:p>
+            <a:r>
+              <a:rPr lang="en-US" altLang="zh-TW" dirty="0" err="1" smtClean="0"/>
+              <a:t>Xm</a:t>
+            </a:r>
+            <a:r>
+              <a:rPr lang="en-US" altLang="zh-TW" dirty="0" smtClean="0"/>
+              <a:t> = </a:t>
+            </a:r>
+            <a:r>
+              <a:rPr lang="en-US" altLang="zh-TW" dirty="0" err="1" smtClean="0"/>
+              <a:t>Xm</a:t>
+            </a:r>
+            <a:r>
+              <a:rPr lang="en-US" altLang="zh-TW" dirty="0" smtClean="0"/>
+              <a:t>/K; </a:t>
+            </a:r>
+          </a:p>
+          <a:p>
+            <a:r>
+              <a:rPr lang="en-US" altLang="zh-TW" dirty="0" smtClean="0"/>
+              <a:t>f = (0:length(y)/2-1)*</a:t>
+            </a:r>
+            <a:r>
+              <a:rPr lang="en-US" altLang="zh-TW" dirty="0" err="1" smtClean="0"/>
+              <a:t>fs</a:t>
+            </a:r>
+            <a:r>
+              <a:rPr lang="en-US" altLang="zh-TW" dirty="0" smtClean="0"/>
+              <a:t>/length(y);</a:t>
+            </a:r>
+          </a:p>
+          <a:p>
+            <a:r>
+              <a:rPr lang="en-US" altLang="zh-TW" dirty="0" smtClean="0"/>
+              <a:t>plot(f, </a:t>
+            </a:r>
+            <a:r>
+              <a:rPr lang="en-US" altLang="zh-TW" dirty="0" err="1" smtClean="0"/>
+              <a:t>Xm</a:t>
+            </a:r>
+            <a:r>
+              <a:rPr lang="en-US" altLang="zh-TW" dirty="0" smtClean="0"/>
+              <a:t>)</a:t>
+            </a:r>
+          </a:p>
+          <a:p>
+            <a:endParaRPr lang="zh-TW" altLang="en-US" dirty="0"/>
           </a:p>
         </p:txBody>
       </p:sp>
